--- a/Airbnb Slide Deck.pptx
+++ b/Airbnb Slide Deck.pptx
@@ -2,45 +2,49 @@
 <file path=ppt/presentation.xml><?xml version="1.0" encoding="utf-8"?>
 <p:presentation xmlns:a="http://schemas.openxmlformats.org/drawingml/2006/main" xmlns:r="http://schemas.openxmlformats.org/officeDocument/2006/relationships" xmlns:mc="http://schemas.openxmlformats.org/markup-compatibility/2006" xmlns:mv="urn:schemas-microsoft-com:mac:vml" xmlns:p="http://schemas.openxmlformats.org/presentationml/2006/main" xmlns:c="http://schemas.openxmlformats.org/drawingml/2006/chart" xmlns:dgm="http://schemas.openxmlformats.org/drawingml/2006/diagram" xmlns:o="urn:schemas-microsoft-com:office:office" xmlns:v="urn:schemas-microsoft-com:vml" xmlns:pvml="urn:schemas-microsoft-com:office:powerpoint" xmlns:com="http://schemas.openxmlformats.org/drawingml/2006/compatibility" xmlns:p14="http://schemas.microsoft.com/office/powerpoint/2010/main" xmlns:p15="http://schemas.microsoft.com/office/powerpoint/2012/main" autoCompressPictures="0" embedTrueTypeFonts="1" strictFirstAndLastChars="0" saveSubsetFonts="1">
   <p:sldMasterIdLst>
-    <p:sldMasterId id="2147483659" r:id="rId3"/>
+    <p:sldMasterId id="2147483659" r:id="rId4"/>
   </p:sldMasterIdLst>
   <p:notesMasterIdLst>
-    <p:notesMasterId r:id="rId4"/>
+    <p:notesMasterId r:id="rId5"/>
   </p:notesMasterIdLst>
   <p:sldIdLst>
-    <p:sldId id="256" r:id="rId5"/>
-    <p:sldId id="257" r:id="rId6"/>
-    <p:sldId id="258" r:id="rId7"/>
-    <p:sldId id="259" r:id="rId8"/>
-    <p:sldId id="260" r:id="rId9"/>
-    <p:sldId id="261" r:id="rId10"/>
-    <p:sldId id="262" r:id="rId11"/>
-    <p:sldId id="263" r:id="rId12"/>
-    <p:sldId id="264" r:id="rId13"/>
-    <p:sldId id="265" r:id="rId14"/>
-    <p:sldId id="266" r:id="rId15"/>
-    <p:sldId id="267" r:id="rId16"/>
-    <p:sldId id="268" r:id="rId17"/>
-    <p:sldId id="269" r:id="rId18"/>
-    <p:sldId id="270" r:id="rId19"/>
-    <p:sldId id="271" r:id="rId20"/>
-    <p:sldId id="272" r:id="rId21"/>
-    <p:sldId id="273" r:id="rId22"/>
-    <p:sldId id="274" r:id="rId23"/>
-    <p:sldId id="275" r:id="rId24"/>
-    <p:sldId id="276" r:id="rId25"/>
-    <p:sldId id="277" r:id="rId26"/>
-    <p:sldId id="278" r:id="rId27"/>
+    <p:sldId id="256" r:id="rId6"/>
+    <p:sldId id="257" r:id="rId7"/>
+    <p:sldId id="258" r:id="rId8"/>
+    <p:sldId id="259" r:id="rId9"/>
+    <p:sldId id="260" r:id="rId10"/>
+    <p:sldId id="261" r:id="rId11"/>
+    <p:sldId id="262" r:id="rId12"/>
+    <p:sldId id="263" r:id="rId13"/>
+    <p:sldId id="264" r:id="rId14"/>
+    <p:sldId id="265" r:id="rId15"/>
+    <p:sldId id="266" r:id="rId16"/>
+    <p:sldId id="267" r:id="rId17"/>
+    <p:sldId id="268" r:id="rId18"/>
+    <p:sldId id="269" r:id="rId19"/>
+    <p:sldId id="270" r:id="rId20"/>
+    <p:sldId id="271" r:id="rId21"/>
+    <p:sldId id="272" r:id="rId22"/>
+    <p:sldId id="273" r:id="rId23"/>
+    <p:sldId id="274" r:id="rId24"/>
+    <p:sldId id="275" r:id="rId25"/>
+    <p:sldId id="276" r:id="rId26"/>
+    <p:sldId id="277" r:id="rId27"/>
+    <p:sldId id="278" r:id="rId28"/>
+    <p:sldId id="279" r:id="rId29"/>
+    <p:sldId id="280" r:id="rId30"/>
+    <p:sldId id="281" r:id="rId31"/>
+    <p:sldId id="282" r:id="rId32"/>
   </p:sldIdLst>
   <p:sldSz cy="5143500" cx="9144000"/>
   <p:notesSz cx="6858000" cy="9144000"/>
   <p:embeddedFontLst>
     <p:embeddedFont>
       <p:font typeface="Roboto"/>
-      <p:regular r:id="rId28"/>
-      <p:bold r:id="rId29"/>
-      <p:italic r:id="rId30"/>
-      <p:boldItalic r:id="rId31"/>
+      <p:regular r:id="rId33"/>
+      <p:bold r:id="rId34"/>
+      <p:italic r:id="rId35"/>
+      <p:boldItalic r:id="rId36"/>
     </p:embeddedFont>
   </p:embeddedFontLst>
   <p:defaultTextStyle>
@@ -320,7 +324,7 @@
         <p:spPr>
           <a:xfrm>
             <a:off x="685800" y="4343400"/>
-            <a:ext cx="5486399" cy="4114800"/>
+            <a:ext cx="5486400" cy="4114800"/>
           </a:xfrm>
           <a:prstGeom prst="rect">
             <a:avLst/>
@@ -433,8 +437,8 @@
         </p:nvSpPr>
         <p:spPr>
           <a:xfrm>
-            <a:off x="381187" y="685800"/>
-            <a:ext cx="6096299" cy="3429000"/>
+            <a:off x="381188" y="685800"/>
+            <a:ext cx="6096300" cy="3429000"/>
           </a:xfrm>
           <a:custGeom>
             <a:pathLst>
@@ -468,7 +472,7 @@
         <p:spPr>
           <a:xfrm>
             <a:off x="685800" y="4343400"/>
-            <a:ext cx="5486399" cy="4114800"/>
+            <a:ext cx="5486400" cy="4114800"/>
           </a:xfrm>
           <a:prstGeom prst="rect">
             <a:avLst/>
@@ -1478,8 +1482,8 @@
         </p:nvSpPr>
         <p:spPr>
           <a:xfrm>
-            <a:off x="381187" y="685800"/>
-            <a:ext cx="6096299" cy="3429000"/>
+            <a:off x="381188" y="685800"/>
+            <a:ext cx="6096300" cy="3429000"/>
           </a:xfrm>
           <a:custGeom>
             <a:pathLst>
@@ -1513,7 +1517,7 @@
         <p:spPr>
           <a:xfrm>
             <a:off x="685800" y="4343400"/>
-            <a:ext cx="5486399" cy="4114800"/>
+            <a:ext cx="5486400" cy="4114800"/>
           </a:xfrm>
           <a:prstGeom prst="rect">
             <a:avLst/>
@@ -1836,7 +1840,7 @@
   <p:cSld>
     <p:spTree>
       <p:nvGrpSpPr>
-        <p:cNvPr id="234" name="Shape 234"/>
+        <p:cNvPr id="236" name="Shape 236"/>
         <p:cNvGrpSpPr/>
         <p:nvPr/>
       </p:nvGrpSpPr>
@@ -1850,7 +1854,7 @@
       </p:grpSpPr>
       <p:sp>
         <p:nvSpPr>
-          <p:cNvPr id="235" name="Shape 235"/>
+          <p:cNvPr id="237" name="Shape 237"/>
           <p:cNvSpPr/>
           <p:nvPr>
             <p:ph idx="2" type="sldImg"/>
@@ -1884,7 +1888,387 @@
       </p:sp>
       <p:sp>
         <p:nvSpPr>
-          <p:cNvPr id="236" name="Shape 236"/>
+          <p:cNvPr id="238" name="Shape 238"/>
+          <p:cNvSpPr txBox="1"/>
+          <p:nvPr>
+            <p:ph idx="1" type="body"/>
+          </p:nvPr>
+        </p:nvSpPr>
+        <p:spPr>
+          <a:xfrm>
+            <a:off x="685800" y="4343400"/>
+            <a:ext cx="5486400" cy="4114800"/>
+          </a:xfrm>
+          <a:prstGeom prst="rect">
+            <a:avLst/>
+          </a:prstGeom>
+        </p:spPr>
+        <p:txBody>
+          <a:bodyPr anchorCtr="0" anchor="t" bIns="91425" lIns="91425" rIns="91425" wrap="square" tIns="91425">
+            <a:noAutofit/>
+          </a:bodyPr>
+          <a:lstStyle/>
+          <a:p>
+            <a:pPr lvl="0">
+              <a:spcBef>
+                <a:spcPts val="0"/>
+              </a:spcBef>
+              <a:buNone/>
+            </a:pPr>
+            <a:r>
+              <a:t/>
+            </a:r>
+            <a:endParaRPr/>
+          </a:p>
+        </p:txBody>
+      </p:sp>
+    </p:spTree>
+  </p:cSld>
+  <p:clrMapOvr>
+    <a:masterClrMapping/>
+  </p:clrMapOvr>
+</p:notes>
+</file>
+
+<file path=ppt/notesSlides/notesSlide24.xml><?xml version="1.0" encoding="utf-8"?>
+<p:notes xmlns:a="http://schemas.openxmlformats.org/drawingml/2006/main" xmlns:r="http://schemas.openxmlformats.org/officeDocument/2006/relationships" xmlns:mc="http://schemas.openxmlformats.org/markup-compatibility/2006" xmlns:mv="urn:schemas-microsoft-com:mac:vml" xmlns:p="http://schemas.openxmlformats.org/presentationml/2006/main" xmlns:c="http://schemas.openxmlformats.org/drawingml/2006/chart" xmlns:dgm="http://schemas.openxmlformats.org/drawingml/2006/diagram" xmlns:o="urn:schemas-microsoft-com:office:office" xmlns:v="urn:schemas-microsoft-com:vml" xmlns:pvml="urn:schemas-microsoft-com:office:powerpoint" xmlns:com="http://schemas.openxmlformats.org/drawingml/2006/compatibility" xmlns:p14="http://schemas.microsoft.com/office/powerpoint/2010/main" xmlns:p15="http://schemas.microsoft.com/office/powerpoint/2012/main" showMasterPhAnim="0" showMasterSp="0">
+  <p:cSld>
+    <p:spTree>
+      <p:nvGrpSpPr>
+        <p:cNvPr id="242" name="Shape 242"/>
+        <p:cNvGrpSpPr/>
+        <p:nvPr/>
+      </p:nvGrpSpPr>
+      <p:grpSpPr>
+        <a:xfrm>
+          <a:off x="0" y="0"/>
+          <a:ext cx="0" cy="0"/>
+          <a:chOff x="0" y="0"/>
+          <a:chExt cx="0" cy="0"/>
+        </a:xfrm>
+      </p:grpSpPr>
+      <p:sp>
+        <p:nvSpPr>
+          <p:cNvPr id="243" name="Shape 243"/>
+          <p:cNvSpPr/>
+          <p:nvPr>
+            <p:ph idx="2" type="sldImg"/>
+          </p:nvPr>
+        </p:nvSpPr>
+        <p:spPr>
+          <a:xfrm>
+            <a:off x="381300" y="685800"/>
+            <a:ext cx="6096000" cy="3429000"/>
+          </a:xfrm>
+          <a:custGeom>
+            <a:pathLst>
+              <a:path extrusionOk="0" h="120000" w="120000">
+                <a:moveTo>
+                  <a:pt x="0" y="0"/>
+                </a:moveTo>
+                <a:lnTo>
+                  <a:pt x="120000" y="0"/>
+                </a:lnTo>
+                <a:lnTo>
+                  <a:pt x="120000" y="120000"/>
+                </a:lnTo>
+                <a:lnTo>
+                  <a:pt x="0" y="120000"/>
+                </a:lnTo>
+                <a:close/>
+              </a:path>
+            </a:pathLst>
+          </a:custGeom>
+        </p:spPr>
+      </p:sp>
+      <p:sp>
+        <p:nvSpPr>
+          <p:cNvPr id="244" name="Shape 244"/>
+          <p:cNvSpPr txBox="1"/>
+          <p:nvPr>
+            <p:ph idx="1" type="body"/>
+          </p:nvPr>
+        </p:nvSpPr>
+        <p:spPr>
+          <a:xfrm>
+            <a:off x="685800" y="4343400"/>
+            <a:ext cx="5486400" cy="4114800"/>
+          </a:xfrm>
+          <a:prstGeom prst="rect">
+            <a:avLst/>
+          </a:prstGeom>
+        </p:spPr>
+        <p:txBody>
+          <a:bodyPr anchorCtr="0" anchor="t" bIns="91425" lIns="91425" rIns="91425" wrap="square" tIns="91425">
+            <a:noAutofit/>
+          </a:bodyPr>
+          <a:lstStyle/>
+          <a:p>
+            <a:pPr lvl="0">
+              <a:spcBef>
+                <a:spcPts val="0"/>
+              </a:spcBef>
+              <a:buNone/>
+            </a:pPr>
+            <a:r>
+              <a:t/>
+            </a:r>
+            <a:endParaRPr/>
+          </a:p>
+        </p:txBody>
+      </p:sp>
+    </p:spTree>
+  </p:cSld>
+  <p:clrMapOvr>
+    <a:masterClrMapping/>
+  </p:clrMapOvr>
+</p:notes>
+</file>
+
+<file path=ppt/notesSlides/notesSlide25.xml><?xml version="1.0" encoding="utf-8"?>
+<p:notes xmlns:a="http://schemas.openxmlformats.org/drawingml/2006/main" xmlns:r="http://schemas.openxmlformats.org/officeDocument/2006/relationships" xmlns:mc="http://schemas.openxmlformats.org/markup-compatibility/2006" xmlns:mv="urn:schemas-microsoft-com:mac:vml" xmlns:p="http://schemas.openxmlformats.org/presentationml/2006/main" xmlns:c="http://schemas.openxmlformats.org/drawingml/2006/chart" xmlns:dgm="http://schemas.openxmlformats.org/drawingml/2006/diagram" xmlns:o="urn:schemas-microsoft-com:office:office" xmlns:v="urn:schemas-microsoft-com:vml" xmlns:pvml="urn:schemas-microsoft-com:office:powerpoint" xmlns:com="http://schemas.openxmlformats.org/drawingml/2006/compatibility" xmlns:p14="http://schemas.microsoft.com/office/powerpoint/2010/main" xmlns:p15="http://schemas.microsoft.com/office/powerpoint/2012/main" showMasterPhAnim="0" showMasterSp="0">
+  <p:cSld>
+    <p:spTree>
+      <p:nvGrpSpPr>
+        <p:cNvPr id="247" name="Shape 247"/>
+        <p:cNvGrpSpPr/>
+        <p:nvPr/>
+      </p:nvGrpSpPr>
+      <p:grpSpPr>
+        <a:xfrm>
+          <a:off x="0" y="0"/>
+          <a:ext cx="0" cy="0"/>
+          <a:chOff x="0" y="0"/>
+          <a:chExt cx="0" cy="0"/>
+        </a:xfrm>
+      </p:grpSpPr>
+      <p:sp>
+        <p:nvSpPr>
+          <p:cNvPr id="248" name="Shape 248"/>
+          <p:cNvSpPr/>
+          <p:nvPr>
+            <p:ph idx="2" type="sldImg"/>
+          </p:nvPr>
+        </p:nvSpPr>
+        <p:spPr>
+          <a:xfrm>
+            <a:off x="381300" y="685800"/>
+            <a:ext cx="6096000" cy="3429000"/>
+          </a:xfrm>
+          <a:custGeom>
+            <a:pathLst>
+              <a:path extrusionOk="0" h="120000" w="120000">
+                <a:moveTo>
+                  <a:pt x="0" y="0"/>
+                </a:moveTo>
+                <a:lnTo>
+                  <a:pt x="120000" y="0"/>
+                </a:lnTo>
+                <a:lnTo>
+                  <a:pt x="120000" y="120000"/>
+                </a:lnTo>
+                <a:lnTo>
+                  <a:pt x="0" y="120000"/>
+                </a:lnTo>
+                <a:close/>
+              </a:path>
+            </a:pathLst>
+          </a:custGeom>
+        </p:spPr>
+      </p:sp>
+      <p:sp>
+        <p:nvSpPr>
+          <p:cNvPr id="249" name="Shape 249"/>
+          <p:cNvSpPr txBox="1"/>
+          <p:nvPr>
+            <p:ph idx="1" type="body"/>
+          </p:nvPr>
+        </p:nvSpPr>
+        <p:spPr>
+          <a:xfrm>
+            <a:off x="685800" y="4343400"/>
+            <a:ext cx="5486400" cy="4114800"/>
+          </a:xfrm>
+          <a:prstGeom prst="rect">
+            <a:avLst/>
+          </a:prstGeom>
+        </p:spPr>
+        <p:txBody>
+          <a:bodyPr anchorCtr="0" anchor="t" bIns="91425" lIns="91425" rIns="91425" wrap="square" tIns="91425">
+            <a:noAutofit/>
+          </a:bodyPr>
+          <a:lstStyle/>
+          <a:p>
+            <a:pPr lvl="0">
+              <a:spcBef>
+                <a:spcPts val="0"/>
+              </a:spcBef>
+              <a:buNone/>
+            </a:pPr>
+            <a:r>
+              <a:t/>
+            </a:r>
+            <a:endParaRPr/>
+          </a:p>
+        </p:txBody>
+      </p:sp>
+    </p:spTree>
+  </p:cSld>
+  <p:clrMapOvr>
+    <a:masterClrMapping/>
+  </p:clrMapOvr>
+</p:notes>
+</file>
+
+<file path=ppt/notesSlides/notesSlide26.xml><?xml version="1.0" encoding="utf-8"?>
+<p:notes xmlns:a="http://schemas.openxmlformats.org/drawingml/2006/main" xmlns:r="http://schemas.openxmlformats.org/officeDocument/2006/relationships" xmlns:mc="http://schemas.openxmlformats.org/markup-compatibility/2006" xmlns:mv="urn:schemas-microsoft-com:mac:vml" xmlns:p="http://schemas.openxmlformats.org/presentationml/2006/main" xmlns:c="http://schemas.openxmlformats.org/drawingml/2006/chart" xmlns:dgm="http://schemas.openxmlformats.org/drawingml/2006/diagram" xmlns:o="urn:schemas-microsoft-com:office:office" xmlns:v="urn:schemas-microsoft-com:vml" xmlns:pvml="urn:schemas-microsoft-com:office:powerpoint" xmlns:com="http://schemas.openxmlformats.org/drawingml/2006/compatibility" xmlns:p14="http://schemas.microsoft.com/office/powerpoint/2010/main" xmlns:p15="http://schemas.microsoft.com/office/powerpoint/2012/main" showMasterPhAnim="0" showMasterSp="0">
+  <p:cSld>
+    <p:spTree>
+      <p:nvGrpSpPr>
+        <p:cNvPr id="253" name="Shape 253"/>
+        <p:cNvGrpSpPr/>
+        <p:nvPr/>
+      </p:nvGrpSpPr>
+      <p:grpSpPr>
+        <a:xfrm>
+          <a:off x="0" y="0"/>
+          <a:ext cx="0" cy="0"/>
+          <a:chOff x="0" y="0"/>
+          <a:chExt cx="0" cy="0"/>
+        </a:xfrm>
+      </p:grpSpPr>
+      <p:sp>
+        <p:nvSpPr>
+          <p:cNvPr id="254" name="Shape 254"/>
+          <p:cNvSpPr/>
+          <p:nvPr>
+            <p:ph idx="2" type="sldImg"/>
+          </p:nvPr>
+        </p:nvSpPr>
+        <p:spPr>
+          <a:xfrm>
+            <a:off x="381300" y="685800"/>
+            <a:ext cx="6096000" cy="3429000"/>
+          </a:xfrm>
+          <a:custGeom>
+            <a:pathLst>
+              <a:path extrusionOk="0" h="120000" w="120000">
+                <a:moveTo>
+                  <a:pt x="0" y="0"/>
+                </a:moveTo>
+                <a:lnTo>
+                  <a:pt x="120000" y="0"/>
+                </a:lnTo>
+                <a:lnTo>
+                  <a:pt x="120000" y="120000"/>
+                </a:lnTo>
+                <a:lnTo>
+                  <a:pt x="0" y="120000"/>
+                </a:lnTo>
+                <a:close/>
+              </a:path>
+            </a:pathLst>
+          </a:custGeom>
+        </p:spPr>
+      </p:sp>
+      <p:sp>
+        <p:nvSpPr>
+          <p:cNvPr id="255" name="Shape 255"/>
+          <p:cNvSpPr txBox="1"/>
+          <p:nvPr>
+            <p:ph idx="1" type="body"/>
+          </p:nvPr>
+        </p:nvSpPr>
+        <p:spPr>
+          <a:xfrm>
+            <a:off x="685800" y="4343400"/>
+            <a:ext cx="5486400" cy="4114800"/>
+          </a:xfrm>
+          <a:prstGeom prst="rect">
+            <a:avLst/>
+          </a:prstGeom>
+        </p:spPr>
+        <p:txBody>
+          <a:bodyPr anchorCtr="0" anchor="t" bIns="91425" lIns="91425" rIns="91425" wrap="square" tIns="91425">
+            <a:noAutofit/>
+          </a:bodyPr>
+          <a:lstStyle/>
+          <a:p>
+            <a:pPr lvl="0">
+              <a:spcBef>
+                <a:spcPts val="0"/>
+              </a:spcBef>
+              <a:buNone/>
+            </a:pPr>
+            <a:r>
+              <a:t/>
+            </a:r>
+            <a:endParaRPr/>
+          </a:p>
+        </p:txBody>
+      </p:sp>
+    </p:spTree>
+  </p:cSld>
+  <p:clrMapOvr>
+    <a:masterClrMapping/>
+  </p:clrMapOvr>
+</p:notes>
+</file>
+
+<file path=ppt/notesSlides/notesSlide27.xml><?xml version="1.0" encoding="utf-8"?>
+<p:notes xmlns:a="http://schemas.openxmlformats.org/drawingml/2006/main" xmlns:r="http://schemas.openxmlformats.org/officeDocument/2006/relationships" xmlns:mc="http://schemas.openxmlformats.org/markup-compatibility/2006" xmlns:mv="urn:schemas-microsoft-com:mac:vml" xmlns:p="http://schemas.openxmlformats.org/presentationml/2006/main" xmlns:c="http://schemas.openxmlformats.org/drawingml/2006/chart" xmlns:dgm="http://schemas.openxmlformats.org/drawingml/2006/diagram" xmlns:o="urn:schemas-microsoft-com:office:office" xmlns:v="urn:schemas-microsoft-com:vml" xmlns:pvml="urn:schemas-microsoft-com:office:powerpoint" xmlns:com="http://schemas.openxmlformats.org/drawingml/2006/compatibility" xmlns:p14="http://schemas.microsoft.com/office/powerpoint/2010/main" xmlns:p15="http://schemas.microsoft.com/office/powerpoint/2012/main" showMasterPhAnim="0" showMasterSp="0">
+  <p:cSld>
+    <p:spTree>
+      <p:nvGrpSpPr>
+        <p:cNvPr id="259" name="Shape 259"/>
+        <p:cNvGrpSpPr/>
+        <p:nvPr/>
+      </p:nvGrpSpPr>
+      <p:grpSpPr>
+        <a:xfrm>
+          <a:off x="0" y="0"/>
+          <a:ext cx="0" cy="0"/>
+          <a:chOff x="0" y="0"/>
+          <a:chExt cx="0" cy="0"/>
+        </a:xfrm>
+      </p:grpSpPr>
+      <p:sp>
+        <p:nvSpPr>
+          <p:cNvPr id="260" name="Shape 260"/>
+          <p:cNvSpPr/>
+          <p:nvPr>
+            <p:ph idx="2" type="sldImg"/>
+          </p:nvPr>
+        </p:nvSpPr>
+        <p:spPr>
+          <a:xfrm>
+            <a:off x="381300" y="685800"/>
+            <a:ext cx="6096000" cy="3429000"/>
+          </a:xfrm>
+          <a:custGeom>
+            <a:pathLst>
+              <a:path extrusionOk="0" h="120000" w="120000">
+                <a:moveTo>
+                  <a:pt x="0" y="0"/>
+                </a:moveTo>
+                <a:lnTo>
+                  <a:pt x="120000" y="0"/>
+                </a:lnTo>
+                <a:lnTo>
+                  <a:pt x="120000" y="120000"/>
+                </a:lnTo>
+                <a:lnTo>
+                  <a:pt x="0" y="120000"/>
+                </a:lnTo>
+                <a:close/>
+              </a:path>
+            </a:pathLst>
+          </a:custGeom>
+        </p:spPr>
+      </p:sp>
+      <p:sp>
+        <p:nvSpPr>
+          <p:cNvPr id="261" name="Shape 261"/>
           <p:cNvSpPr txBox="1"/>
           <p:nvPr>
             <p:ph idx="1" type="body"/>
@@ -2623,9 +3007,9 @@
         </p:nvGrpSpPr>
         <p:grpSpPr>
           <a:xfrm>
-            <a:off x="6098378" y="4"/>
+            <a:off x="6098378" y="5"/>
             <a:ext cx="3045625" cy="2030570"/>
-            <a:chOff x="6098378" y="4"/>
+            <a:chOff x="6098378" y="5"/>
             <a:chExt cx="3045625" cy="2030570"/>
           </a:xfrm>
         </p:grpSpPr>
@@ -2637,7 +3021,7 @@
           </p:nvSpPr>
           <p:spPr>
             <a:xfrm>
-              <a:off x="8128803" y="15"/>
+              <a:off x="8128803" y="16"/>
               <a:ext cx="1015200" cy="1015200"/>
             </a:xfrm>
             <a:prstGeom prst="rect">
@@ -2677,7 +3061,7 @@
           </p:nvSpPr>
           <p:spPr>
             <a:xfrm flipH="1">
-              <a:off x="7113463" y="4"/>
+              <a:off x="7113463" y="5"/>
               <a:ext cx="1015200" cy="1015200"/>
             </a:xfrm>
             <a:prstGeom prst="rtTriangle">
@@ -2717,7 +3101,7 @@
           </p:nvSpPr>
           <p:spPr>
             <a:xfrm flipH="1" rot="10800000">
-              <a:off x="7113588" y="106"/>
+              <a:off x="7113588" y="107"/>
               <a:ext cx="1015200" cy="1015200"/>
             </a:xfrm>
             <a:prstGeom prst="rtTriangle">
@@ -2757,7 +3141,7 @@
           </p:nvSpPr>
           <p:spPr>
             <a:xfrm rot="10800000">
-              <a:off x="6098378" y="96"/>
+              <a:off x="6098378" y="97"/>
               <a:ext cx="1015200" cy="1015200"/>
             </a:xfrm>
             <a:prstGeom prst="rtTriangle">
@@ -2841,7 +3225,7 @@
         <p:spPr>
           <a:xfrm>
             <a:off x="598100" y="1775222"/>
-            <a:ext cx="8222100" cy="838799"/>
+            <a:ext cx="8222100" cy="838800"/>
           </a:xfrm>
           <a:prstGeom prst="rect">
             <a:avLst/>
@@ -2990,8 +3374,8 @@
         </p:nvSpPr>
         <p:spPr>
           <a:xfrm>
-            <a:off x="598088" y="2715912"/>
-            <a:ext cx="8222100" cy="432899"/>
+            <a:off x="598088" y="2715913"/>
+            <a:ext cx="8222100" cy="432900"/>
           </a:xfrm>
           <a:prstGeom prst="rect">
             <a:avLst/>
@@ -3204,7 +3588,7 @@
         <p:spPr>
           <a:xfrm>
             <a:off x="8460431" y="4651190"/>
-            <a:ext cx="548699" cy="393600"/>
+            <a:ext cx="548700" cy="393600"/>
           </a:xfrm>
           <a:prstGeom prst="rect">
             <a:avLst/>
@@ -3269,9 +3653,9 @@
         </p:nvGrpSpPr>
         <p:grpSpPr>
           <a:xfrm>
-            <a:off x="6098378" y="4"/>
+            <a:off x="6098378" y="5"/>
             <a:ext cx="3045625" cy="2030570"/>
-            <a:chOff x="6098378" y="4"/>
+            <a:chOff x="6098378" y="5"/>
             <a:chExt cx="3045625" cy="2030570"/>
           </a:xfrm>
         </p:grpSpPr>
@@ -3283,7 +3667,7 @@
           </p:nvSpPr>
           <p:spPr>
             <a:xfrm>
-              <a:off x="8128803" y="15"/>
+              <a:off x="8128803" y="16"/>
               <a:ext cx="1015200" cy="1015200"/>
             </a:xfrm>
             <a:prstGeom prst="rect">
@@ -3323,7 +3707,7 @@
           </p:nvSpPr>
           <p:spPr>
             <a:xfrm flipH="1">
-              <a:off x="7113463" y="4"/>
+              <a:off x="7113463" y="5"/>
               <a:ext cx="1015200" cy="1015200"/>
             </a:xfrm>
             <a:prstGeom prst="rtTriangle">
@@ -3363,7 +3747,7 @@
           </p:nvSpPr>
           <p:spPr>
             <a:xfrm flipH="1" rot="10800000">
-              <a:off x="7113588" y="106"/>
+              <a:off x="7113588" y="107"/>
               <a:ext cx="1015200" cy="1015200"/>
             </a:xfrm>
             <a:prstGeom prst="rtTriangle">
@@ -3403,7 +3787,7 @@
           </p:nvSpPr>
           <p:spPr>
             <a:xfrm rot="10800000">
-              <a:off x="6098378" y="96"/>
+              <a:off x="6098378" y="97"/>
               <a:ext cx="1015200" cy="1015200"/>
             </a:xfrm>
             <a:prstGeom prst="rtTriangle">
@@ -3487,7 +3871,7 @@
         <p:spPr>
           <a:xfrm>
             <a:off x="311700" y="1256050"/>
-            <a:ext cx="8520599" cy="2030700"/>
+            <a:ext cx="8520600" cy="2030700"/>
           </a:xfrm>
           <a:prstGeom prst="rect">
             <a:avLst/>
@@ -3637,7 +4021,7 @@
         <p:spPr>
           <a:xfrm>
             <a:off x="311700" y="3369225"/>
-            <a:ext cx="8520599" cy="1281900"/>
+            <a:ext cx="8520600" cy="1281900"/>
           </a:xfrm>
           <a:prstGeom prst="rect">
             <a:avLst/>
@@ -3778,7 +4162,7 @@
         <p:spPr>
           <a:xfrm>
             <a:off x="8460431" y="4651190"/>
-            <a:ext cx="548699" cy="393600"/>
+            <a:ext cx="548700" cy="393600"/>
           </a:xfrm>
           <a:prstGeom prst="rect">
             <a:avLst/>
@@ -3839,7 +4223,7 @@
         <p:spPr>
           <a:xfrm>
             <a:off x="8460431" y="4651190"/>
-            <a:ext cx="548699" cy="393600"/>
+            <a:ext cx="548700" cy="393600"/>
           </a:xfrm>
           <a:prstGeom prst="rect">
             <a:avLst/>
@@ -3908,9 +4292,9 @@
         </p:nvGrpSpPr>
         <p:grpSpPr>
           <a:xfrm>
-            <a:off x="6098378" y="4"/>
+            <a:off x="6098378" y="5"/>
             <a:ext cx="3045625" cy="2030570"/>
-            <a:chOff x="6098378" y="4"/>
+            <a:chOff x="6098378" y="5"/>
             <a:chExt cx="3045625" cy="2030570"/>
           </a:xfrm>
         </p:grpSpPr>
@@ -3922,7 +4306,7 @@
           </p:nvSpPr>
           <p:spPr>
             <a:xfrm>
-              <a:off x="8128803" y="15"/>
+              <a:off x="8128803" y="16"/>
               <a:ext cx="1015200" cy="1015200"/>
             </a:xfrm>
             <a:prstGeom prst="rect">
@@ -3962,7 +4346,7 @@
           </p:nvSpPr>
           <p:spPr>
             <a:xfrm flipH="1">
-              <a:off x="7113463" y="4"/>
+              <a:off x="7113463" y="5"/>
               <a:ext cx="1015200" cy="1015200"/>
             </a:xfrm>
             <a:prstGeom prst="rtTriangle">
@@ -4002,7 +4386,7 @@
           </p:nvSpPr>
           <p:spPr>
             <a:xfrm flipH="1" rot="10800000">
-              <a:off x="7113588" y="106"/>
+              <a:off x="7113588" y="107"/>
               <a:ext cx="1015200" cy="1015200"/>
             </a:xfrm>
             <a:prstGeom prst="rtTriangle">
@@ -4042,7 +4426,7 @@
           </p:nvSpPr>
           <p:spPr>
             <a:xfrm rot="10800000">
-              <a:off x="6098378" y="96"/>
+              <a:off x="6098378" y="97"/>
               <a:ext cx="1015200" cy="1015200"/>
             </a:xfrm>
             <a:prstGeom prst="rtTriangle">
@@ -4126,7 +4510,7 @@
         <p:spPr>
           <a:xfrm>
             <a:off x="598100" y="2152347"/>
-            <a:ext cx="8222100" cy="838799"/>
+            <a:ext cx="8222100" cy="838800"/>
           </a:xfrm>
           <a:prstGeom prst="rect">
             <a:avLst/>
@@ -4276,7 +4660,7 @@
         <p:spPr>
           <a:xfrm>
             <a:off x="8460431" y="4651190"/>
-            <a:ext cx="548699" cy="393600"/>
+            <a:ext cx="548700" cy="393600"/>
           </a:xfrm>
           <a:prstGeom prst="rect">
             <a:avLst/>
@@ -4335,9 +4719,9 @@
         <p:grpSpPr>
           <a:xfrm>
             <a:off x="0" y="3903669"/>
-            <a:ext cx="9144000" cy="1239924"/>
+            <a:ext cx="9144000" cy="1239925"/>
             <a:chOff x="0" y="3903669"/>
-            <a:chExt cx="9144000" cy="1239924"/>
+            <a:chExt cx="9144000" cy="1239925"/>
           </a:xfrm>
         </p:grpSpPr>
         <p:sp>
@@ -4349,7 +4733,7 @@
           <p:spPr>
             <a:xfrm>
               <a:off x="8154895" y="3903669"/>
-              <a:ext cx="989099" cy="987899"/>
+              <a:ext cx="989100" cy="987900"/>
             </a:xfrm>
             <a:prstGeom prst="rtTriangle">
               <a:avLst/>
@@ -4388,8 +4772,8 @@
           </p:nvSpPr>
           <p:spPr>
             <a:xfrm flipH="1">
-              <a:off x="6181162" y="3903669"/>
-              <a:ext cx="989099" cy="987899"/>
+              <a:off x="6181163" y="3903669"/>
+              <a:ext cx="989100" cy="987900"/>
             </a:xfrm>
             <a:prstGeom prst="rtTriangle">
               <a:avLst/>
@@ -4429,7 +4813,7 @@
           <p:spPr>
             <a:xfrm>
               <a:off x="7170274" y="3903669"/>
-              <a:ext cx="989099" cy="987899"/>
+              <a:ext cx="989100" cy="987900"/>
             </a:xfrm>
             <a:prstGeom prst="rect">
               <a:avLst/>
@@ -4469,7 +4853,7 @@
           <p:spPr>
             <a:xfrm rot="10800000">
               <a:off x="8154757" y="3903682"/>
-              <a:ext cx="989099" cy="987899"/>
+              <a:ext cx="989100" cy="987900"/>
             </a:xfrm>
             <a:prstGeom prst="rtTriangle">
               <a:avLst/>
@@ -4509,7 +4893,7 @@
           <p:spPr>
             <a:xfrm>
               <a:off x="0" y="4891594"/>
-              <a:ext cx="9144000" cy="251999"/>
+              <a:ext cx="9144000" cy="252000"/>
             </a:xfrm>
             <a:prstGeom prst="rect">
               <a:avLst/>
@@ -4552,7 +4936,7 @@
         <p:spPr>
           <a:xfrm>
             <a:off x="311700" y="410000"/>
-            <a:ext cx="8520599" cy="607800"/>
+            <a:ext cx="8520600" cy="607800"/>
           </a:xfrm>
           <a:prstGeom prst="rect">
             <a:avLst/>
@@ -4630,7 +5014,7 @@
         <p:spPr>
           <a:xfrm>
             <a:off x="311700" y="1229875"/>
-            <a:ext cx="8520599" cy="3339000"/>
+            <a:ext cx="8520600" cy="3339000"/>
           </a:xfrm>
           <a:prstGeom prst="rect">
             <a:avLst/>
@@ -4708,7 +5092,7 @@
         <p:spPr>
           <a:xfrm>
             <a:off x="8460431" y="4651190"/>
-            <a:ext cx="548699" cy="393600"/>
+            <a:ext cx="548700" cy="393600"/>
           </a:xfrm>
           <a:prstGeom prst="rect">
             <a:avLst/>
@@ -4769,7 +5153,7 @@
         <p:spPr>
           <a:xfrm>
             <a:off x="311700" y="410000"/>
-            <a:ext cx="8520599" cy="607800"/>
+            <a:ext cx="8520600" cy="607800"/>
           </a:xfrm>
           <a:prstGeom prst="rect">
             <a:avLst/>
@@ -4847,7 +5231,7 @@
         <p:spPr>
           <a:xfrm>
             <a:off x="311700" y="1229975"/>
-            <a:ext cx="3999899" cy="3339000"/>
+            <a:ext cx="3999900" cy="3339000"/>
           </a:xfrm>
           <a:prstGeom prst="rect">
             <a:avLst/>
@@ -4934,7 +5318,7 @@
         <p:spPr>
           <a:xfrm>
             <a:off x="4832400" y="1229975"/>
-            <a:ext cx="3999899" cy="3339000"/>
+            <a:ext cx="3999900" cy="3339000"/>
           </a:xfrm>
           <a:prstGeom prst="rect">
             <a:avLst/>
@@ -5021,7 +5405,7 @@
         <p:spPr>
           <a:xfrm>
             <a:off x="8460431" y="4651190"/>
-            <a:ext cx="548699" cy="393600"/>
+            <a:ext cx="548700" cy="393600"/>
           </a:xfrm>
           <a:prstGeom prst="rect">
             <a:avLst/>
@@ -5086,7 +5470,7 @@
         <p:spPr>
           <a:xfrm>
             <a:off x="311700" y="410000"/>
-            <a:ext cx="8520599" cy="607800"/>
+            <a:ext cx="8520600" cy="607800"/>
           </a:xfrm>
           <a:prstGeom prst="rect">
             <a:avLst/>
@@ -5164,7 +5548,7 @@
         <p:spPr>
           <a:xfrm>
             <a:off x="8460431" y="4651190"/>
-            <a:ext cx="548699" cy="393600"/>
+            <a:ext cx="548700" cy="393600"/>
           </a:xfrm>
           <a:prstGeom prst="rect">
             <a:avLst/>
@@ -5229,7 +5613,7 @@
         <p:spPr>
           <a:xfrm>
             <a:off x="311700" y="555600"/>
-            <a:ext cx="2807999" cy="755699"/>
+            <a:ext cx="2808000" cy="755700"/>
           </a:xfrm>
           <a:prstGeom prst="rect">
             <a:avLst/>
@@ -5316,7 +5700,7 @@
         <p:spPr>
           <a:xfrm>
             <a:off x="311700" y="1465804"/>
-            <a:ext cx="2807999" cy="3103199"/>
+            <a:ext cx="2808000" cy="3103200"/>
           </a:xfrm>
           <a:prstGeom prst="rect">
             <a:avLst/>
@@ -5403,7 +5787,7 @@
         <p:spPr>
           <a:xfrm>
             <a:off x="8460431" y="4651190"/>
-            <a:ext cx="548699" cy="393600"/>
+            <a:ext cx="548700" cy="393600"/>
           </a:xfrm>
           <a:prstGeom prst="rect">
             <a:avLst/>
@@ -5472,9 +5856,9 @@
         </p:nvGrpSpPr>
         <p:grpSpPr>
           <a:xfrm>
-            <a:off x="6098378" y="4"/>
+            <a:off x="6098378" y="5"/>
             <a:ext cx="3045625" cy="2030570"/>
-            <a:chOff x="6098378" y="4"/>
+            <a:chOff x="6098378" y="5"/>
             <a:chExt cx="3045625" cy="2030570"/>
           </a:xfrm>
         </p:grpSpPr>
@@ -5486,7 +5870,7 @@
           </p:nvSpPr>
           <p:spPr>
             <a:xfrm>
-              <a:off x="8128803" y="15"/>
+              <a:off x="8128803" y="16"/>
               <a:ext cx="1015200" cy="1015200"/>
             </a:xfrm>
             <a:prstGeom prst="rect">
@@ -5526,7 +5910,7 @@
           </p:nvSpPr>
           <p:spPr>
             <a:xfrm flipH="1">
-              <a:off x="7113463" y="4"/>
+              <a:off x="7113463" y="5"/>
               <a:ext cx="1015200" cy="1015200"/>
             </a:xfrm>
             <a:prstGeom prst="rtTriangle">
@@ -5566,7 +5950,7 @@
           </p:nvSpPr>
           <p:spPr>
             <a:xfrm flipH="1" rot="10800000">
-              <a:off x="7113588" y="106"/>
+              <a:off x="7113588" y="107"/>
               <a:ext cx="1015200" cy="1015200"/>
             </a:xfrm>
             <a:prstGeom prst="rtTriangle">
@@ -5606,7 +5990,7 @@
           </p:nvSpPr>
           <p:spPr>
             <a:xfrm rot="10800000">
-              <a:off x="6098378" y="96"/>
+              <a:off x="6098378" y="97"/>
               <a:ext cx="1015200" cy="1015200"/>
             </a:xfrm>
             <a:prstGeom prst="rtTriangle">
@@ -5840,7 +6224,7 @@
         <p:spPr>
           <a:xfrm>
             <a:off x="8460431" y="4651190"/>
-            <a:ext cx="548699" cy="393600"/>
+            <a:ext cx="548700" cy="393600"/>
           </a:xfrm>
           <a:prstGeom prst="rect">
             <a:avLst/>
@@ -5899,7 +6283,7 @@
         <p:spPr>
           <a:xfrm>
             <a:off x="4572000" y="-175"/>
-            <a:ext cx="4572000" cy="5143499"/>
+            <a:ext cx="4572000" cy="5143500"/>
           </a:xfrm>
           <a:prstGeom prst="rect">
             <a:avLst/>
@@ -5967,7 +6351,7 @@
         <p:spPr>
           <a:xfrm>
             <a:off x="265500" y="1151100"/>
-            <a:ext cx="4045199" cy="1564499"/>
+            <a:ext cx="4045200" cy="1564500"/>
           </a:xfrm>
           <a:prstGeom prst="rect">
             <a:avLst/>
@@ -6054,7 +6438,7 @@
         <p:spPr>
           <a:xfrm>
             <a:off x="265500" y="2769001"/>
-            <a:ext cx="4045199" cy="1269299"/>
+            <a:ext cx="4045200" cy="1269300"/>
           </a:xfrm>
           <a:prstGeom prst="rect">
             <a:avLst/>
@@ -6204,7 +6588,7 @@
         <p:spPr>
           <a:xfrm>
             <a:off x="4939500" y="724200"/>
-            <a:ext cx="3837000" cy="3695099"/>
+            <a:ext cx="3837000" cy="3695100"/>
           </a:xfrm>
           <a:prstGeom prst="rect">
             <a:avLst/>
@@ -6345,7 +6729,7 @@
         <p:spPr>
           <a:xfrm>
             <a:off x="8460431" y="4651190"/>
-            <a:ext cx="548699" cy="393600"/>
+            <a:ext cx="548700" cy="393600"/>
           </a:xfrm>
           <a:prstGeom prst="rect">
             <a:avLst/>
@@ -6406,7 +6790,7 @@
         <p:spPr>
           <a:xfrm>
             <a:off x="319500" y="4230575"/>
-            <a:ext cx="5998800" cy="598799"/>
+            <a:ext cx="5998800" cy="598800"/>
           </a:xfrm>
           <a:prstGeom prst="rect">
             <a:avLst/>
@@ -6443,7 +6827,7 @@
         <p:spPr>
           <a:xfrm>
             <a:off x="8460431" y="4651190"/>
-            <a:ext cx="548699" cy="393600"/>
+            <a:ext cx="548700" cy="393600"/>
           </a:xfrm>
           <a:prstGeom prst="rect">
             <a:avLst/>
@@ -6515,7 +6899,7 @@
         <p:spPr>
           <a:xfrm>
             <a:off x="311700" y="410000"/>
-            <a:ext cx="8520599" cy="607800"/>
+            <a:ext cx="8520600" cy="607800"/>
           </a:xfrm>
           <a:prstGeom prst="rect">
             <a:avLst/>
@@ -6723,7 +7107,7 @@
         <p:spPr>
           <a:xfrm>
             <a:off x="311700" y="1229875"/>
-            <a:ext cx="8520599" cy="3339000"/>
+            <a:ext cx="8520600" cy="3339000"/>
           </a:xfrm>
           <a:prstGeom prst="rect">
             <a:avLst/>
@@ -6977,7 +7361,7 @@
         <p:spPr>
           <a:xfrm>
             <a:off x="8460431" y="4651190"/>
-            <a:ext cx="548699" cy="393600"/>
+            <a:ext cx="548700" cy="393600"/>
           </a:xfrm>
           <a:prstGeom prst="rect">
             <a:avLst/>
@@ -7502,7 +7886,7 @@
         <p:spPr>
           <a:xfrm>
             <a:off x="598100" y="1775222"/>
-            <a:ext cx="8222100" cy="838799"/>
+            <a:ext cx="8222100" cy="838800"/>
           </a:xfrm>
           <a:prstGeom prst="rect">
             <a:avLst/>
@@ -7537,8 +7921,8 @@
         </p:nvSpPr>
         <p:spPr>
           <a:xfrm>
-            <a:off x="598088" y="2715912"/>
-            <a:ext cx="8222100" cy="432899"/>
+            <a:off x="598088" y="2715913"/>
+            <a:ext cx="8222100" cy="432900"/>
           </a:xfrm>
           <a:prstGeom prst="rect">
             <a:avLst/>
@@ -7818,7 +8202,7 @@
         <p:spPr>
           <a:xfrm>
             <a:off x="3143200" y="928300"/>
-            <a:ext cx="5860500" cy="3183829"/>
+            <a:ext cx="5860500" cy="3183830"/>
           </a:xfrm>
           <a:prstGeom prst="rect">
             <a:avLst/>
@@ -8135,7 +8519,7 @@
         </p:blipFill>
         <p:spPr>
           <a:xfrm>
-            <a:off x="454800" y="1523112"/>
+            <a:off x="454800" y="1523113"/>
             <a:ext cx="3486150" cy="2752725"/>
           </a:xfrm>
           <a:prstGeom prst="rect">
@@ -8284,7 +8668,7 @@
         </p:blipFill>
         <p:spPr>
           <a:xfrm>
-            <a:off x="187575" y="1399287"/>
+            <a:off x="187575" y="1399288"/>
             <a:ext cx="4248150" cy="3000375"/>
           </a:xfrm>
           <a:prstGeom prst="rect">
@@ -8470,7 +8854,7 @@
         <p:spPr>
           <a:xfrm>
             <a:off x="430600" y="1446575"/>
-            <a:ext cx="3355000" cy="2804574"/>
+            <a:ext cx="3355000" cy="2804575"/>
           </a:xfrm>
           <a:prstGeom prst="rect">
             <a:avLst/>
@@ -8630,7 +9014,7 @@
         </p:blipFill>
         <p:spPr>
           <a:xfrm>
-            <a:off x="5080074" y="197875"/>
+            <a:off x="5080075" y="197875"/>
             <a:ext cx="3410850" cy="2340000"/>
           </a:xfrm>
           <a:prstGeom prst="rect">
@@ -8658,8 +9042,8 @@
         </p:blipFill>
         <p:spPr>
           <a:xfrm>
-            <a:off x="5404647" y="2779750"/>
-            <a:ext cx="2855408" cy="2200425"/>
+            <a:off x="5404648" y="2779751"/>
+            <a:ext cx="2855409" cy="2200425"/>
           </a:xfrm>
           <a:prstGeom prst="rect">
             <a:avLst/>
@@ -8748,7 +9132,7 @@
         <p:spPr>
           <a:xfrm>
             <a:off x="1120000" y="1544350"/>
-            <a:ext cx="6364949" cy="3131475"/>
+            <a:ext cx="6364950" cy="3131475"/>
           </a:xfrm>
           <a:prstGeom prst="rect">
             <a:avLst/>
@@ -9056,7 +9440,7 @@
         <p:spPr>
           <a:xfrm>
             <a:off x="311700" y="410000"/>
-            <a:ext cx="8520599" cy="607800"/>
+            <a:ext cx="8520600" cy="607800"/>
           </a:xfrm>
           <a:prstGeom prst="rect">
             <a:avLst/>
@@ -9090,9 +9474,9 @@
         <p:grpSpPr>
           <a:xfrm>
             <a:off x="431925" y="1304875"/>
-            <a:ext cx="2628924" cy="3416400"/>
+            <a:ext cx="2628925" cy="3416400"/>
             <a:chOff x="431925" y="1304875"/>
-            <a:chExt cx="2628924" cy="3416400"/>
+            <a:chExt cx="2628925" cy="3416400"/>
           </a:xfrm>
         </p:grpSpPr>
         <p:sp>
@@ -9104,7 +9488,7 @@
           <p:spPr>
             <a:xfrm>
               <a:off x="431925" y="1304875"/>
-              <a:ext cx="2628899" cy="464099"/>
+              <a:ext cx="2628900" cy="464100"/>
             </a:xfrm>
             <a:prstGeom prst="rect">
               <a:avLst/>
@@ -9144,7 +9528,7 @@
           <p:spPr>
             <a:xfrm>
               <a:off x="431950" y="1304875"/>
-              <a:ext cx="2628899" cy="3416400"/>
+              <a:ext cx="2628900" cy="3416400"/>
             </a:xfrm>
             <a:prstGeom prst="rect">
               <a:avLst/>
@@ -9191,7 +9575,7 @@
         <p:spPr>
           <a:xfrm>
             <a:off x="506425" y="1304875"/>
-            <a:ext cx="2494499" cy="461399"/>
+            <a:ext cx="2494500" cy="461400"/>
           </a:xfrm>
           <a:prstGeom prst="rect">
             <a:avLst/>
@@ -9234,7 +9618,7 @@
         <p:spPr>
           <a:xfrm>
             <a:off x="508325" y="1850300"/>
-            <a:ext cx="2478600" cy="2794799"/>
+            <a:ext cx="2478600" cy="2794800"/>
           </a:xfrm>
           <a:prstGeom prst="rect">
             <a:avLst/>
@@ -9292,9 +9676,9 @@
         <p:grpSpPr>
           <a:xfrm>
             <a:off x="3320450" y="1304875"/>
-            <a:ext cx="2632499" cy="3416400"/>
+            <a:ext cx="2632500" cy="3416400"/>
             <a:chOff x="3320450" y="1304875"/>
-            <a:chExt cx="2632499" cy="3416400"/>
+            <a:chExt cx="2632500" cy="3416400"/>
           </a:xfrm>
         </p:grpSpPr>
         <p:sp>
@@ -9306,7 +9690,7 @@
           <p:spPr>
             <a:xfrm>
               <a:off x="3324050" y="1304875"/>
-              <a:ext cx="2628899" cy="464099"/>
+              <a:ext cx="2628900" cy="464100"/>
             </a:xfrm>
             <a:prstGeom prst="rect">
               <a:avLst/>
@@ -9346,7 +9730,7 @@
           <p:spPr>
             <a:xfrm>
               <a:off x="3320450" y="1304875"/>
-              <a:ext cx="2628899" cy="3416400"/>
+              <a:ext cx="2628900" cy="3416400"/>
             </a:xfrm>
             <a:prstGeom prst="rect">
               <a:avLst/>
@@ -9393,7 +9777,7 @@
         <p:spPr>
           <a:xfrm>
             <a:off x="3389450" y="1304875"/>
-            <a:ext cx="2494499" cy="461399"/>
+            <a:ext cx="2494500" cy="461400"/>
           </a:xfrm>
           <a:prstGeom prst="rect">
             <a:avLst/>
@@ -9436,7 +9820,7 @@
         <p:spPr>
           <a:xfrm>
             <a:off x="3396775" y="1850300"/>
-            <a:ext cx="2478600" cy="2794799"/>
+            <a:ext cx="2478600" cy="2794800"/>
           </a:xfrm>
           <a:prstGeom prst="rect">
             <a:avLst/>
@@ -9518,9 +9902,9 @@
         <p:grpSpPr>
           <a:xfrm>
             <a:off x="6212550" y="1304875"/>
-            <a:ext cx="2632499" cy="3416400"/>
+            <a:ext cx="2632500" cy="3416400"/>
             <a:chOff x="6212550" y="1304875"/>
-            <a:chExt cx="2632499" cy="3416400"/>
+            <a:chExt cx="2632500" cy="3416400"/>
           </a:xfrm>
         </p:grpSpPr>
         <p:sp>
@@ -9532,7 +9916,7 @@
           <p:spPr>
             <a:xfrm>
               <a:off x="6215400" y="1304875"/>
-              <a:ext cx="2628899" cy="3416400"/>
+              <a:ext cx="2628900" cy="3416400"/>
             </a:xfrm>
             <a:prstGeom prst="rect">
               <a:avLst/>
@@ -9576,7 +9960,7 @@
           <p:spPr>
             <a:xfrm>
               <a:off x="6212550" y="1304875"/>
-              <a:ext cx="2632499" cy="464099"/>
+              <a:ext cx="2632500" cy="464100"/>
             </a:xfrm>
             <a:prstGeom prst="rect">
               <a:avLst/>
@@ -9619,7 +10003,7 @@
         <p:spPr>
           <a:xfrm>
             <a:off x="6272475" y="1304875"/>
-            <a:ext cx="2494499" cy="461399"/>
+            <a:ext cx="2494500" cy="461400"/>
           </a:xfrm>
           <a:prstGeom prst="rect">
             <a:avLst/>
@@ -9662,7 +10046,7 @@
         <p:spPr>
           <a:xfrm>
             <a:off x="6286400" y="1850300"/>
-            <a:ext cx="2478600" cy="2794799"/>
+            <a:ext cx="2478600" cy="2794800"/>
           </a:xfrm>
           <a:prstGeom prst="rect">
             <a:avLst/>
@@ -9917,7 +10301,7 @@
             </a:pPr>
             <a:r>
               <a:rPr lang="en"/>
-              <a:t>Machine Learning</a:t>
+              <a:t>Model Choice</a:t>
             </a:r>
           </a:p>
         </p:txBody>
@@ -9953,7 +10337,7 @@
             </a:pPr>
             <a:r>
               <a:rPr lang="en"/>
-              <a:t>The Gradient Boosting Classifier was used as the  model of choice for this problem.</a:t>
+              <a:t>3 Models were tested for their accuracy: Logistic Regression, Random Forest Classifier and Gradient Boosting Classifier.</a:t>
             </a:r>
           </a:p>
           <a:p>
@@ -9965,80 +10349,8 @@
             </a:pPr>
             <a:r>
               <a:rPr lang="en"/>
-              <a:t>The training and test data was split in the ratio 3:1. The accuracy achieved was a little over 63.5%</a:t>
-            </a:r>
-          </a:p>
-          <a:p>
-            <a:pPr indent="-228600" lvl="0" marL="457200" rtl="0">
-              <a:spcBef>
-                <a:spcPts val="0"/>
-              </a:spcBef>
-              <a:buAutoNum type="arabicPeriod"/>
-            </a:pPr>
-            <a:r>
-              <a:rPr lang="en"/>
-              <a:t>No hyperparameter tuning was performed. The classifier was trained with the defaults.</a:t>
-            </a:r>
-          </a:p>
-          <a:p>
-            <a:pPr indent="-228600" lvl="0" marL="457200" rtl="0">
-              <a:spcBef>
-                <a:spcPts val="0"/>
-              </a:spcBef>
-              <a:buAutoNum type="arabicPeriod"/>
-            </a:pPr>
-            <a:r>
-              <a:rPr lang="en"/>
-              <a:t>The submission dataframe was constructed with the top 5 destinations for each users based on the value of their prediction probabilities. </a:t>
-            </a:r>
-          </a:p>
-          <a:p>
-            <a:pPr indent="-228600" lvl="0" marL="457200" rtl="0">
-              <a:spcBef>
-                <a:spcPts val="0"/>
-              </a:spcBef>
-              <a:buAutoNum type="arabicPeriod"/>
-            </a:pPr>
-            <a:r>
-              <a:rPr lang="en"/>
-              <a:t>This dataset was uploaded to Kaggle and the score achieved was 0.86408. </a:t>
-            </a:r>
-          </a:p>
-          <a:p>
-            <a:pPr lvl="0" rtl="0">
-              <a:spcBef>
-                <a:spcPts val="0"/>
-              </a:spcBef>
-              <a:buNone/>
-            </a:pPr>
-            <a:r>
-              <a:t/>
-            </a:r>
-            <a:endParaRPr/>
-          </a:p>
-          <a:p>
-            <a:pPr lvl="0">
-              <a:spcBef>
-                <a:spcPts val="0"/>
-              </a:spcBef>
-              <a:buNone/>
-            </a:pPr>
-            <a:r>
-              <a:t/>
-            </a:r>
-            <a:endParaRPr/>
-          </a:p>
-          <a:p>
-            <a:pPr lvl="0">
-              <a:spcBef>
-                <a:spcPts val="0"/>
-              </a:spcBef>
-              <a:buNone/>
-            </a:pPr>
-            <a:r>
-              <a:t/>
-            </a:r>
-            <a:endParaRPr/>
+              <a:t>The Gradient Boosting classifier had the highest accuracy of close to 65% whereas Logistic Regression performed the worst with an accuracy less than 60%.</a:t>
+            </a:r>
           </a:p>
         </p:txBody>
       </p:sp>
@@ -10067,34 +10379,376 @@
           <a:chExt cx="0" cy="0"/>
         </a:xfrm>
       </p:grpSpPr>
-      <p:pic>
-        <p:nvPicPr>
-          <p:cNvPr descr="Screen Shot 2017-10-01 at 1.45.58 AM.png" id="233" name="Shape 233"/>
-          <p:cNvPicPr preferRelativeResize="0"/>
-          <p:nvPr/>
-        </p:nvPicPr>
-        <p:blipFill>
-          <a:blip r:embed="rId3">
-            <a:alphaModFix/>
-          </a:blip>
-          <a:stretch>
-            <a:fillRect/>
-          </a:stretch>
-        </p:blipFill>
-        <p:spPr>
-          <a:xfrm>
-            <a:off x="241974" y="1608437"/>
-            <a:ext cx="8839724" cy="1926624"/>
+      <p:sp>
+        <p:nvSpPr>
+          <p:cNvPr id="233" name="Shape 233"/>
+          <p:cNvSpPr txBox="1"/>
+          <p:nvPr>
+            <p:ph type="title"/>
+          </p:nvPr>
+        </p:nvSpPr>
+        <p:spPr>
+          <a:xfrm>
+            <a:off x="311700" y="410000"/>
+            <a:ext cx="8520600" cy="607800"/>
           </a:xfrm>
           <a:prstGeom prst="rect">
             <a:avLst/>
           </a:prstGeom>
-          <a:noFill/>
-          <a:ln>
-            <a:noFill/>
-          </a:ln>
-        </p:spPr>
-      </p:pic>
+        </p:spPr>
+        <p:txBody>
+          <a:bodyPr anchorCtr="0" anchor="t" bIns="91425" lIns="91425" rIns="91425" wrap="square" tIns="91425">
+            <a:noAutofit/>
+          </a:bodyPr>
+          <a:lstStyle/>
+          <a:p>
+            <a:pPr lvl="0">
+              <a:spcBef>
+                <a:spcPts val="0"/>
+              </a:spcBef>
+              <a:buNone/>
+            </a:pPr>
+            <a:r>
+              <a:rPr lang="en"/>
+              <a:t>Hyperparameter Tuning</a:t>
+            </a:r>
+          </a:p>
+        </p:txBody>
+      </p:sp>
+      <p:sp>
+        <p:nvSpPr>
+          <p:cNvPr id="234" name="Shape 234"/>
+          <p:cNvSpPr txBox="1"/>
+          <p:nvPr>
+            <p:ph idx="1" type="body"/>
+          </p:nvPr>
+        </p:nvSpPr>
+        <p:spPr>
+          <a:xfrm>
+            <a:off x="311700" y="1229875"/>
+            <a:ext cx="8520600" cy="3339000"/>
+          </a:xfrm>
+          <a:prstGeom prst="rect">
+            <a:avLst/>
+          </a:prstGeom>
+        </p:spPr>
+        <p:txBody>
+          <a:bodyPr anchorCtr="0" anchor="t" bIns="91425" lIns="91425" rIns="91425" wrap="square" tIns="91425">
+            <a:noAutofit/>
+          </a:bodyPr>
+          <a:lstStyle/>
+          <a:p>
+            <a:pPr lvl="0">
+              <a:spcBef>
+                <a:spcPts val="0"/>
+              </a:spcBef>
+              <a:buNone/>
+            </a:pPr>
+            <a:r>
+              <a:rPr lang="en"/>
+              <a:t>The Gradient Boosting Classifier was tuned for the following parameters:</a:t>
+            </a:r>
+          </a:p>
+          <a:p>
+            <a:pPr lvl="0">
+              <a:spcBef>
+                <a:spcPts val="0"/>
+              </a:spcBef>
+              <a:buNone/>
+            </a:pPr>
+            <a:r>
+              <a:t/>
+            </a:r>
+            <a:endParaRPr/>
+          </a:p>
+        </p:txBody>
+      </p:sp>
+      <p:graphicFrame>
+        <p:nvGraphicFramePr>
+          <p:cNvPr id="235" name="Shape 235"/>
+          <p:cNvGraphicFramePr/>
+          <p:nvPr/>
+        </p:nvGraphicFramePr>
+        <p:xfrm>
+          <a:off x="952500" y="1809750"/>
+          <a:ext cx="3000000" cy="3000000"/>
+        </p:xfrm>
+        <a:graphic>
+          <a:graphicData uri="http://schemas.openxmlformats.org/drawingml/2006/table">
+            <a:tbl>
+              <a:tblPr>
+                <a:noFill/>
+                <a:tableStyleId>{682875CD-AF90-4ECD-946C-8C53E46422EE}</a:tableStyleId>
+              </a:tblPr>
+              <a:tblGrid>
+                <a:gridCol w="2413000"/>
+                <a:gridCol w="2413000"/>
+                <a:gridCol w="2413000"/>
+              </a:tblGrid>
+              <a:tr h="381000">
+                <a:tc>
+                  <a:txBody>
+                    <a:bodyPr>
+                      <a:noAutofit/>
+                    </a:bodyPr>
+                    <a:lstStyle/>
+                    <a:p>
+                      <a:pPr lvl="0">
+                        <a:spcBef>
+                          <a:spcPts val="0"/>
+                        </a:spcBef>
+                        <a:buNone/>
+                      </a:pPr>
+                      <a:r>
+                        <a:rPr b="1" lang="en"/>
+                        <a:t>Feature</a:t>
+                      </a:r>
+                    </a:p>
+                  </a:txBody>
+                  <a:tcPr marT="91425" marB="91425" marR="91425" marL="91425"/>
+                </a:tc>
+                <a:tc>
+                  <a:txBody>
+                    <a:bodyPr>
+                      <a:noAutofit/>
+                    </a:bodyPr>
+                    <a:lstStyle/>
+                    <a:p>
+                      <a:pPr lvl="0">
+                        <a:spcBef>
+                          <a:spcPts val="0"/>
+                        </a:spcBef>
+                        <a:buNone/>
+                      </a:pPr>
+                      <a:r>
+                        <a:rPr b="1" lang="en"/>
+                        <a:t>Range</a:t>
+                      </a:r>
+                    </a:p>
+                  </a:txBody>
+                  <a:tcPr marT="91425" marB="91425" marR="91425" marL="91425"/>
+                </a:tc>
+                <a:tc>
+                  <a:txBody>
+                    <a:bodyPr>
+                      <a:noAutofit/>
+                    </a:bodyPr>
+                    <a:lstStyle/>
+                    <a:p>
+                      <a:pPr lvl="0">
+                        <a:spcBef>
+                          <a:spcPts val="0"/>
+                        </a:spcBef>
+                        <a:buNone/>
+                      </a:pPr>
+                      <a:r>
+                        <a:rPr b="1" lang="en"/>
+                        <a:t>Best Value</a:t>
+                      </a:r>
+                    </a:p>
+                  </a:txBody>
+                  <a:tcPr marT="91425" marB="91425" marR="91425" marL="91425"/>
+                </a:tc>
+              </a:tr>
+              <a:tr h="381000">
+                <a:tc>
+                  <a:txBody>
+                    <a:bodyPr>
+                      <a:noAutofit/>
+                    </a:bodyPr>
+                    <a:lstStyle/>
+                    <a:p>
+                      <a:pPr lvl="0">
+                        <a:spcBef>
+                          <a:spcPts val="0"/>
+                        </a:spcBef>
+                        <a:buNone/>
+                      </a:pPr>
+                      <a:r>
+                        <a:rPr lang="en"/>
+                        <a:t>n_estimators</a:t>
+                      </a:r>
+                    </a:p>
+                  </a:txBody>
+                  <a:tcPr marT="91425" marB="91425" marR="91425" marL="91425"/>
+                </a:tc>
+                <a:tc>
+                  <a:txBody>
+                    <a:bodyPr>
+                      <a:noAutofit/>
+                    </a:bodyPr>
+                    <a:lstStyle/>
+                    <a:p>
+                      <a:pPr lvl="0">
+                        <a:spcBef>
+                          <a:spcPts val="0"/>
+                        </a:spcBef>
+                        <a:buNone/>
+                      </a:pPr>
+                      <a:r>
+                        <a:rPr lang="en"/>
+                        <a:t>100,200</a:t>
+                      </a:r>
+                    </a:p>
+                  </a:txBody>
+                  <a:tcPr marT="91425" marB="91425" marR="91425" marL="91425"/>
+                </a:tc>
+                <a:tc>
+                  <a:txBody>
+                    <a:bodyPr>
+                      <a:noAutofit/>
+                    </a:bodyPr>
+                    <a:lstStyle/>
+                    <a:p>
+                      <a:pPr lvl="0">
+                        <a:spcBef>
+                          <a:spcPts val="0"/>
+                        </a:spcBef>
+                        <a:buNone/>
+                      </a:pPr>
+                      <a:r>
+                        <a:rPr lang="en"/>
+                        <a:t>200</a:t>
+                      </a:r>
+                    </a:p>
+                  </a:txBody>
+                  <a:tcPr marT="91425" marB="91425" marR="91425" marL="91425"/>
+                </a:tc>
+              </a:tr>
+              <a:tr h="381000">
+                <a:tc>
+                  <a:txBody>
+                    <a:bodyPr>
+                      <a:noAutofit/>
+                    </a:bodyPr>
+                    <a:lstStyle/>
+                    <a:p>
+                      <a:pPr lvl="0">
+                        <a:spcBef>
+                          <a:spcPts val="0"/>
+                        </a:spcBef>
+                        <a:buNone/>
+                      </a:pPr>
+                      <a:r>
+                        <a:rPr lang="en"/>
+                        <a:t>max_depth</a:t>
+                      </a:r>
+                    </a:p>
+                  </a:txBody>
+                  <a:tcPr marT="91425" marB="91425" marR="91425" marL="91425"/>
+                </a:tc>
+                <a:tc>
+                  <a:txBody>
+                    <a:bodyPr>
+                      <a:noAutofit/>
+                    </a:bodyPr>
+                    <a:lstStyle/>
+                    <a:p>
+                      <a:pPr lvl="0">
+                        <a:spcBef>
+                          <a:spcPts val="0"/>
+                        </a:spcBef>
+                        <a:buNone/>
+                      </a:pPr>
+                      <a:r>
+                        <a:rPr lang="en"/>
+                        <a:t>3,5</a:t>
+                      </a:r>
+                    </a:p>
+                  </a:txBody>
+                  <a:tcPr marT="91425" marB="91425" marR="91425" marL="91425"/>
+                </a:tc>
+                <a:tc>
+                  <a:txBody>
+                    <a:bodyPr>
+                      <a:noAutofit/>
+                    </a:bodyPr>
+                    <a:lstStyle/>
+                    <a:p>
+                      <a:pPr lvl="0">
+                        <a:spcBef>
+                          <a:spcPts val="0"/>
+                        </a:spcBef>
+                        <a:buNone/>
+                      </a:pPr>
+                      <a:r>
+                        <a:rPr lang="en"/>
+                        <a:t>3</a:t>
+                      </a:r>
+                    </a:p>
+                  </a:txBody>
+                  <a:tcPr marT="91425" marB="91425" marR="91425" marL="91425"/>
+                </a:tc>
+              </a:tr>
+              <a:tr h="381000">
+                <a:tc>
+                  <a:txBody>
+                    <a:bodyPr>
+                      <a:noAutofit/>
+                    </a:bodyPr>
+                    <a:lstStyle/>
+                    <a:p>
+                      <a:pPr lvl="0">
+                        <a:spcBef>
+                          <a:spcPts val="0"/>
+                        </a:spcBef>
+                        <a:buNone/>
+                      </a:pPr>
+                      <a:r>
+                        <a:rPr lang="en"/>
+                        <a:t>max_features</a:t>
+                      </a:r>
+                    </a:p>
+                  </a:txBody>
+                  <a:tcPr marT="91425" marB="91425" marR="91425" marL="91425"/>
+                </a:tc>
+                <a:tc>
+                  <a:txBody>
+                    <a:bodyPr>
+                      <a:noAutofit/>
+                    </a:bodyPr>
+                    <a:lstStyle/>
+                    <a:p>
+                      <a:pPr lvl="0">
+                        <a:spcBef>
+                          <a:spcPts val="0"/>
+                        </a:spcBef>
+                        <a:buNone/>
+                      </a:pPr>
+                      <a:r>
+                        <a:rPr lang="en"/>
+                        <a:t>auto, log2</a:t>
+                      </a:r>
+                    </a:p>
+                  </a:txBody>
+                  <a:tcPr marT="91425" marB="91425" marR="91425" marL="91425"/>
+                </a:tc>
+                <a:tc>
+                  <a:txBody>
+                    <a:bodyPr>
+                      <a:noAutofit/>
+                    </a:bodyPr>
+                    <a:lstStyle/>
+                    <a:p>
+                      <a:pPr lvl="0">
+                        <a:spcBef>
+                          <a:spcPts val="0"/>
+                        </a:spcBef>
+                        <a:buNone/>
+                      </a:pPr>
+                      <a:r>
+                        <a:rPr lang="en"/>
+                        <a:t>auto</a:t>
+                      </a:r>
+                    </a:p>
+                  </a:txBody>
+                  <a:tcPr marT="91425" marB="91425" marR="91425" marL="91425"/>
+                </a:tc>
+              </a:tr>
+            </a:tbl>
+          </a:graphicData>
+        </a:graphic>
+      </p:graphicFrame>
     </p:spTree>
   </p:cSld>
   <p:clrMapOvr>
@@ -10108,7 +10762,7 @@
   <p:cSld>
     <p:spTree>
       <p:nvGrpSpPr>
-        <p:cNvPr id="237" name="Shape 237"/>
+        <p:cNvPr id="239" name="Shape 239"/>
         <p:cNvGrpSpPr/>
         <p:nvPr/>
       </p:nvGrpSpPr>
@@ -10122,7 +10776,7 @@
       </p:grpSpPr>
       <p:sp>
         <p:nvSpPr>
-          <p:cNvPr id="238" name="Shape 238"/>
+          <p:cNvPr id="240" name="Shape 240"/>
           <p:cNvSpPr txBox="1"/>
           <p:nvPr>
             <p:ph type="title"/>
@@ -10143,7 +10797,7 @@
           </a:bodyPr>
           <a:lstStyle/>
           <a:p>
-            <a:pPr lvl="0" rtl="0">
+            <a:pPr lvl="0">
               <a:spcBef>
                 <a:spcPts val="0"/>
               </a:spcBef>
@@ -10151,14 +10805,14 @@
             </a:pPr>
             <a:r>
               <a:rPr lang="en"/>
-              <a:t>Conclusions</a:t>
+              <a:t>Testing and Final Score</a:t>
             </a:r>
           </a:p>
         </p:txBody>
       </p:sp>
       <p:sp>
         <p:nvSpPr>
-          <p:cNvPr id="239" name="Shape 239"/>
+          <p:cNvPr id="241" name="Shape 241"/>
           <p:cNvSpPr txBox="1"/>
           <p:nvPr>
             <p:ph idx="1" type="body"/>
@@ -10179,6 +10833,406 @@
           </a:bodyPr>
           <a:lstStyle/>
           <a:p>
+            <a:pPr indent="-228600" lvl="0" marL="457200" rtl="0">
+              <a:spcBef>
+                <a:spcPts val="0"/>
+              </a:spcBef>
+              <a:buAutoNum type="arabicPeriod"/>
+            </a:pPr>
+            <a:r>
+              <a:rPr lang="en"/>
+              <a:t>The tuned classifier was used to predict outcomes on the test dataset.</a:t>
+            </a:r>
+          </a:p>
+          <a:p>
+            <a:pPr indent="-228600" lvl="0" marL="457200" rtl="0">
+              <a:spcBef>
+                <a:spcPts val="0"/>
+              </a:spcBef>
+              <a:buAutoNum type="arabicPeriod"/>
+            </a:pPr>
+            <a:r>
+              <a:rPr lang="en"/>
+              <a:t>T</a:t>
+            </a:r>
+            <a:r>
+              <a:rPr lang="en"/>
+              <a:t>he submission dataframe was constructed with the top 5 destinations for each users based on the value of their prediction probabilities. </a:t>
+            </a:r>
+          </a:p>
+          <a:p>
+            <a:pPr indent="-228600" lvl="0" marL="457200">
+              <a:spcBef>
+                <a:spcPts val="0"/>
+              </a:spcBef>
+              <a:buAutoNum type="arabicPeriod"/>
+            </a:pPr>
+            <a:r>
+              <a:rPr lang="en"/>
+              <a:t>This dataset was uploaded to Kaggle and the score achieved was 0.86527. </a:t>
+            </a:r>
+          </a:p>
+        </p:txBody>
+      </p:sp>
+    </p:spTree>
+  </p:cSld>
+  <p:clrMapOvr>
+    <a:masterClrMapping/>
+  </p:clrMapOvr>
+</p:sld>
+</file>
+
+<file path=ppt/slides/slide24.xml><?xml version="1.0" encoding="utf-8"?>
+<p:sld xmlns:a="http://schemas.openxmlformats.org/drawingml/2006/main" xmlns:r="http://schemas.openxmlformats.org/officeDocument/2006/relationships" xmlns:mc="http://schemas.openxmlformats.org/markup-compatibility/2006" xmlns:mv="urn:schemas-microsoft-com:mac:vml" xmlns:p="http://schemas.openxmlformats.org/presentationml/2006/main" xmlns:c="http://schemas.openxmlformats.org/drawingml/2006/chart" xmlns:dgm="http://schemas.openxmlformats.org/drawingml/2006/diagram" xmlns:o="urn:schemas-microsoft-com:office:office" xmlns:v="urn:schemas-microsoft-com:vml" xmlns:pvml="urn:schemas-microsoft-com:office:powerpoint" xmlns:com="http://schemas.openxmlformats.org/drawingml/2006/compatibility" xmlns:p14="http://schemas.microsoft.com/office/powerpoint/2010/main" xmlns:p15="http://schemas.microsoft.com/office/powerpoint/2012/main">
+  <p:cSld>
+    <p:spTree>
+      <p:nvGrpSpPr>
+        <p:cNvPr id="245" name="Shape 245"/>
+        <p:cNvGrpSpPr/>
+        <p:nvPr/>
+      </p:nvGrpSpPr>
+      <p:grpSpPr>
+        <a:xfrm>
+          <a:off x="0" y="0"/>
+          <a:ext cx="0" cy="0"/>
+          <a:chOff x="0" y="0"/>
+          <a:chExt cx="0" cy="0"/>
+        </a:xfrm>
+      </p:grpSpPr>
+      <p:pic>
+        <p:nvPicPr>
+          <p:cNvPr descr="score.png" id="246" name="Shape 246"/>
+          <p:cNvPicPr preferRelativeResize="0"/>
+          <p:nvPr/>
+        </p:nvPicPr>
+        <p:blipFill>
+          <a:blip r:embed="rId3">
+            <a:alphaModFix/>
+          </a:blip>
+          <a:stretch>
+            <a:fillRect/>
+          </a:stretch>
+        </p:blipFill>
+        <p:spPr>
+          <a:xfrm>
+            <a:off x="152400" y="1170150"/>
+            <a:ext cx="8839199" cy="1947777"/>
+          </a:xfrm>
+          <a:prstGeom prst="rect">
+            <a:avLst/>
+          </a:prstGeom>
+          <a:noFill/>
+          <a:ln>
+            <a:noFill/>
+          </a:ln>
+        </p:spPr>
+      </p:pic>
+    </p:spTree>
+  </p:cSld>
+  <p:clrMapOvr>
+    <a:masterClrMapping/>
+  </p:clrMapOvr>
+</p:sld>
+</file>
+
+<file path=ppt/slides/slide25.xml><?xml version="1.0" encoding="utf-8"?>
+<p:sld xmlns:a="http://schemas.openxmlformats.org/drawingml/2006/main" xmlns:r="http://schemas.openxmlformats.org/officeDocument/2006/relationships" xmlns:mc="http://schemas.openxmlformats.org/markup-compatibility/2006" xmlns:mv="urn:schemas-microsoft-com:mac:vml" xmlns:p="http://schemas.openxmlformats.org/presentationml/2006/main" xmlns:c="http://schemas.openxmlformats.org/drawingml/2006/chart" xmlns:dgm="http://schemas.openxmlformats.org/drawingml/2006/diagram" xmlns:o="urn:schemas-microsoft-com:office:office" xmlns:v="urn:schemas-microsoft-com:vml" xmlns:pvml="urn:schemas-microsoft-com:office:powerpoint" xmlns:com="http://schemas.openxmlformats.org/drawingml/2006/compatibility" xmlns:p14="http://schemas.microsoft.com/office/powerpoint/2010/main" xmlns:p15="http://schemas.microsoft.com/office/powerpoint/2012/main">
+  <p:cSld>
+    <p:spTree>
+      <p:nvGrpSpPr>
+        <p:cNvPr id="250" name="Shape 250"/>
+        <p:cNvGrpSpPr/>
+        <p:nvPr/>
+      </p:nvGrpSpPr>
+      <p:grpSpPr>
+        <a:xfrm>
+          <a:off x="0" y="0"/>
+          <a:ext cx="0" cy="0"/>
+          <a:chOff x="0" y="0"/>
+          <a:chExt cx="0" cy="0"/>
+        </a:xfrm>
+      </p:grpSpPr>
+      <p:sp>
+        <p:nvSpPr>
+          <p:cNvPr id="251" name="Shape 251"/>
+          <p:cNvSpPr txBox="1"/>
+          <p:nvPr>
+            <p:ph type="title"/>
+          </p:nvPr>
+        </p:nvSpPr>
+        <p:spPr>
+          <a:xfrm>
+            <a:off x="311700" y="410000"/>
+            <a:ext cx="8520600" cy="607800"/>
+          </a:xfrm>
+          <a:prstGeom prst="rect">
+            <a:avLst/>
+          </a:prstGeom>
+        </p:spPr>
+        <p:txBody>
+          <a:bodyPr anchorCtr="0" anchor="t" bIns="91425" lIns="91425" rIns="91425" wrap="square" tIns="91425">
+            <a:noAutofit/>
+          </a:bodyPr>
+          <a:lstStyle/>
+          <a:p>
+            <a:pPr lvl="0">
+              <a:spcBef>
+                <a:spcPts val="0"/>
+              </a:spcBef>
+              <a:buNone/>
+            </a:pPr>
+            <a:r>
+              <a:rPr lang="en"/>
+              <a:t>Business Recommendations</a:t>
+            </a:r>
+          </a:p>
+        </p:txBody>
+      </p:sp>
+      <p:sp>
+        <p:nvSpPr>
+          <p:cNvPr id="252" name="Shape 252"/>
+          <p:cNvSpPr txBox="1"/>
+          <p:nvPr>
+            <p:ph idx="1" type="body"/>
+          </p:nvPr>
+        </p:nvSpPr>
+        <p:spPr>
+          <a:xfrm>
+            <a:off x="311700" y="1229875"/>
+            <a:ext cx="8520600" cy="3339000"/>
+          </a:xfrm>
+          <a:prstGeom prst="rect">
+            <a:avLst/>
+          </a:prstGeom>
+        </p:spPr>
+        <p:txBody>
+          <a:bodyPr anchorCtr="0" anchor="t" bIns="91425" lIns="91425" rIns="91425" wrap="square" tIns="91425">
+            <a:noAutofit/>
+          </a:bodyPr>
+          <a:lstStyle/>
+          <a:p>
+            <a:pPr indent="-330200" lvl="0" marL="457200" rtl="0">
+              <a:spcBef>
+                <a:spcPts val="0"/>
+              </a:spcBef>
+              <a:buSzPct val="100000"/>
+              <a:buAutoNum type="arabicPeriod"/>
+            </a:pPr>
+            <a:r>
+              <a:rPr lang="en" sz="1600"/>
+              <a:t>The majority of Airbnb's users are on Apple Devices. Additionally, Android users are the minority and don't book that often. It makes perfect business sense to invest more resources in improving the user experience of iOS apps. On the other hand, Airbnb could also investigate into the smaller conversion rate of Android Users and try to deduce some correlation with certain quirks of the Android Airbnb App.</a:t>
+            </a:r>
+          </a:p>
+          <a:p>
+            <a:pPr indent="-330200" lvl="0" marL="457200">
+              <a:spcBef>
+                <a:spcPts val="0"/>
+              </a:spcBef>
+              <a:buSzPct val="100000"/>
+              <a:buAutoNum type="arabicPeriod"/>
+            </a:pPr>
+            <a:r>
+              <a:rPr lang="en" sz="1600"/>
+              <a:t>Desktop Users book far more often than other device users. This could mean that people use smaller devices for surfing and exploration and desktops to make the actual booking. The User Experience for the apps on different devices must be tuned accordingly to achieve best results.</a:t>
+            </a:r>
+          </a:p>
+        </p:txBody>
+      </p:sp>
+    </p:spTree>
+  </p:cSld>
+  <p:clrMapOvr>
+    <a:masterClrMapping/>
+  </p:clrMapOvr>
+</p:sld>
+</file>
+
+<file path=ppt/slides/slide26.xml><?xml version="1.0" encoding="utf-8"?>
+<p:sld xmlns:a="http://schemas.openxmlformats.org/drawingml/2006/main" xmlns:r="http://schemas.openxmlformats.org/officeDocument/2006/relationships" xmlns:mc="http://schemas.openxmlformats.org/markup-compatibility/2006" xmlns:mv="urn:schemas-microsoft-com:mac:vml" xmlns:p="http://schemas.openxmlformats.org/presentationml/2006/main" xmlns:c="http://schemas.openxmlformats.org/drawingml/2006/chart" xmlns:dgm="http://schemas.openxmlformats.org/drawingml/2006/diagram" xmlns:o="urn:schemas-microsoft-com:office:office" xmlns:v="urn:schemas-microsoft-com:vml" xmlns:pvml="urn:schemas-microsoft-com:office:powerpoint" xmlns:com="http://schemas.openxmlformats.org/drawingml/2006/compatibility" xmlns:p14="http://schemas.microsoft.com/office/powerpoint/2010/main" xmlns:p15="http://schemas.microsoft.com/office/powerpoint/2012/main">
+  <p:cSld>
+    <p:spTree>
+      <p:nvGrpSpPr>
+        <p:cNvPr id="256" name="Shape 256"/>
+        <p:cNvGrpSpPr/>
+        <p:nvPr/>
+      </p:nvGrpSpPr>
+      <p:grpSpPr>
+        <a:xfrm>
+          <a:off x="0" y="0"/>
+          <a:ext cx="0" cy="0"/>
+          <a:chOff x="0" y="0"/>
+          <a:chExt cx="0" cy="0"/>
+        </a:xfrm>
+      </p:grpSpPr>
+      <p:sp>
+        <p:nvSpPr>
+          <p:cNvPr id="257" name="Shape 257"/>
+          <p:cNvSpPr txBox="1"/>
+          <p:nvPr>
+            <p:ph type="title"/>
+          </p:nvPr>
+        </p:nvSpPr>
+        <p:spPr>
+          <a:xfrm>
+            <a:off x="311700" y="410000"/>
+            <a:ext cx="8520600" cy="607800"/>
+          </a:xfrm>
+          <a:prstGeom prst="rect">
+            <a:avLst/>
+          </a:prstGeom>
+        </p:spPr>
+        <p:txBody>
+          <a:bodyPr anchorCtr="0" anchor="t" bIns="91425" lIns="91425" rIns="91425" wrap="square" tIns="91425">
+            <a:noAutofit/>
+          </a:bodyPr>
+          <a:lstStyle/>
+          <a:p>
+            <a:pPr lvl="0">
+              <a:spcBef>
+                <a:spcPts val="0"/>
+              </a:spcBef>
+              <a:buNone/>
+            </a:pPr>
+            <a:r>
+              <a:rPr lang="en"/>
+              <a:t>Business Recommendations II</a:t>
+            </a:r>
+          </a:p>
+        </p:txBody>
+      </p:sp>
+      <p:sp>
+        <p:nvSpPr>
+          <p:cNvPr id="258" name="Shape 258"/>
+          <p:cNvSpPr txBox="1"/>
+          <p:nvPr>
+            <p:ph idx="1" type="body"/>
+          </p:nvPr>
+        </p:nvSpPr>
+        <p:spPr>
+          <a:xfrm>
+            <a:off x="311700" y="1229875"/>
+            <a:ext cx="8520600" cy="3339000"/>
+          </a:xfrm>
+          <a:prstGeom prst="rect">
+            <a:avLst/>
+          </a:prstGeom>
+        </p:spPr>
+        <p:txBody>
+          <a:bodyPr anchorCtr="0" anchor="t" bIns="91425" lIns="91425" rIns="91425" wrap="square" tIns="91425">
+            <a:noAutofit/>
+          </a:bodyPr>
+          <a:lstStyle/>
+          <a:p>
+            <a:pPr indent="-330200" lvl="0" marL="457200" rtl="0">
+              <a:spcBef>
+                <a:spcPts val="0"/>
+              </a:spcBef>
+              <a:buSzPct val="100000"/>
+              <a:buAutoNum type="arabicPeriod"/>
+            </a:pPr>
+            <a:r>
+              <a:rPr lang="en" sz="1600"/>
+              <a:t>Most of the Airbnb Users tend to book an Airbnb within the country. Therefore, it makes most sense to give the users more recommendations that are endemic to the country. American users should get more Experience and Host recommendations within the USA. This is not the case with the current Airbnb site where most recommendations are that of exotic locations in faraway places.</a:t>
+            </a:r>
+          </a:p>
+          <a:p>
+            <a:pPr indent="-330200" lvl="0" marL="457200" rtl="0">
+              <a:spcBef>
+                <a:spcPts val="0"/>
+              </a:spcBef>
+              <a:buSzPct val="100000"/>
+              <a:buAutoNum type="arabicPeriod"/>
+            </a:pPr>
+            <a:r>
+              <a:rPr lang="en" sz="1600"/>
+              <a:t>People who haven't filled out their information such as Age and Gender are the least likely to book Airbnbs. This is likely due to the fact that they are only in the exploration stage. Maximum marketing effort must be aimed at these people and the most enticing yet affordable offers must be made to them to increase their rate of conversion.</a:t>
+            </a:r>
+          </a:p>
+        </p:txBody>
+      </p:sp>
+    </p:spTree>
+  </p:cSld>
+  <p:clrMapOvr>
+    <a:masterClrMapping/>
+  </p:clrMapOvr>
+</p:sld>
+</file>
+
+<file path=ppt/slides/slide27.xml><?xml version="1.0" encoding="utf-8"?>
+<p:sld xmlns:a="http://schemas.openxmlformats.org/drawingml/2006/main" xmlns:r="http://schemas.openxmlformats.org/officeDocument/2006/relationships" xmlns:mc="http://schemas.openxmlformats.org/markup-compatibility/2006" xmlns:mv="urn:schemas-microsoft-com:mac:vml" xmlns:p="http://schemas.openxmlformats.org/presentationml/2006/main" xmlns:c="http://schemas.openxmlformats.org/drawingml/2006/chart" xmlns:dgm="http://schemas.openxmlformats.org/drawingml/2006/diagram" xmlns:o="urn:schemas-microsoft-com:office:office" xmlns:v="urn:schemas-microsoft-com:vml" xmlns:pvml="urn:schemas-microsoft-com:office:powerpoint" xmlns:com="http://schemas.openxmlformats.org/drawingml/2006/compatibility" xmlns:p14="http://schemas.microsoft.com/office/powerpoint/2010/main" xmlns:p15="http://schemas.microsoft.com/office/powerpoint/2012/main">
+  <p:cSld>
+    <p:spTree>
+      <p:nvGrpSpPr>
+        <p:cNvPr id="262" name="Shape 262"/>
+        <p:cNvGrpSpPr/>
+        <p:nvPr/>
+      </p:nvGrpSpPr>
+      <p:grpSpPr>
+        <a:xfrm>
+          <a:off x="0" y="0"/>
+          <a:ext cx="0" cy="0"/>
+          <a:chOff x="0" y="0"/>
+          <a:chExt cx="0" cy="0"/>
+        </a:xfrm>
+      </p:grpSpPr>
+      <p:sp>
+        <p:nvSpPr>
+          <p:cNvPr id="263" name="Shape 263"/>
+          <p:cNvSpPr txBox="1"/>
+          <p:nvPr>
+            <p:ph type="title"/>
+          </p:nvPr>
+        </p:nvSpPr>
+        <p:spPr>
+          <a:xfrm>
+            <a:off x="311700" y="410000"/>
+            <a:ext cx="8520600" cy="607800"/>
+          </a:xfrm>
+          <a:prstGeom prst="rect">
+            <a:avLst/>
+          </a:prstGeom>
+        </p:spPr>
+        <p:txBody>
+          <a:bodyPr anchorCtr="0" anchor="t" bIns="91425" lIns="91425" rIns="91425" wrap="square" tIns="91425">
+            <a:noAutofit/>
+          </a:bodyPr>
+          <a:lstStyle/>
+          <a:p>
+            <a:pPr lvl="0" rtl="0">
+              <a:spcBef>
+                <a:spcPts val="0"/>
+              </a:spcBef>
+              <a:buNone/>
+            </a:pPr>
+            <a:r>
+              <a:rPr lang="en"/>
+              <a:t>Conclusions</a:t>
+            </a:r>
+          </a:p>
+        </p:txBody>
+      </p:sp>
+      <p:sp>
+        <p:nvSpPr>
+          <p:cNvPr id="264" name="Shape 264"/>
+          <p:cNvSpPr txBox="1"/>
+          <p:nvPr>
+            <p:ph idx="1" type="body"/>
+          </p:nvPr>
+        </p:nvSpPr>
+        <p:spPr>
+          <a:xfrm>
+            <a:off x="311700" y="1229875"/>
+            <a:ext cx="8520600" cy="3339000"/>
+          </a:xfrm>
+          <a:prstGeom prst="rect">
+            <a:avLst/>
+          </a:prstGeom>
+        </p:spPr>
+        <p:txBody>
+          <a:bodyPr anchorCtr="0" anchor="t" bIns="91425" lIns="91425" rIns="91425" wrap="square" tIns="91425">
+            <a:noAutofit/>
+          </a:bodyPr>
+          <a:lstStyle/>
+          <a:p>
             <a:pPr lvl="0" rtl="0">
               <a:spcBef>
                 <a:spcPts val="0"/>
@@ -10251,6 +11305,18 @@
             </a:r>
           </a:p>
           <a:p>
+            <a:pPr indent="-228600" lvl="0" marL="457200" rtl="0">
+              <a:spcBef>
+                <a:spcPts val="0"/>
+              </a:spcBef>
+              <a:buAutoNum type="arabicPeriod"/>
+            </a:pPr>
+            <a:r>
+              <a:rPr lang="en"/>
+              <a:t>Business Recommendations</a:t>
+            </a:r>
+          </a:p>
+          <a:p>
             <a:pPr lvl="0" rtl="0">
               <a:spcBef>
                 <a:spcPts val="0"/>
@@ -10259,7 +11325,7 @@
             </a:pPr>
             <a:r>
               <a:rPr lang="en"/>
-              <a:t>A system was obtained with a NDCG (Normalized Discounted Cumulative Gain) of 0.86408 on the first submission to Kaggle.</a:t>
+              <a:t>A system was obtained with a NDCG (Normalized Discounted Cumulative Gain) of 0.86527 on the first submission to Kaggle.</a:t>
             </a:r>
           </a:p>
         </p:txBody>
@@ -10596,7 +11662,7 @@
         <p:spPr>
           <a:xfrm>
             <a:off x="311700" y="1750050"/>
-            <a:ext cx="5324749" cy="2466099"/>
+            <a:ext cx="5324750" cy="2466100"/>
           </a:xfrm>
           <a:prstGeom prst="rect">
             <a:avLst/>
@@ -10623,8 +11689,8 @@
         </p:blipFill>
         <p:spPr>
           <a:xfrm>
-            <a:off x="6417824" y="410000"/>
-            <a:ext cx="2267475" cy="2185899"/>
+            <a:off x="6417825" y="410000"/>
+            <a:ext cx="2267475" cy="2185900"/>
           </a:xfrm>
           <a:prstGeom prst="rect">
             <a:avLst/>
@@ -10651,7 +11717,7 @@
         </p:blipFill>
         <p:spPr>
           <a:xfrm>
-            <a:off x="6478300" y="2910235"/>
+            <a:off x="6478300" y="2910236"/>
             <a:ext cx="2003275" cy="1981964"/>
           </a:xfrm>
           <a:prstGeom prst="rect">
@@ -10885,8 +11951,8 @@
         </p:blipFill>
         <p:spPr>
           <a:xfrm>
-            <a:off x="793450" y="1318328"/>
-            <a:ext cx="7141099" cy="3478975"/>
+            <a:off x="793450" y="1318329"/>
+            <a:ext cx="7141100" cy="3478975"/>
           </a:xfrm>
           <a:prstGeom prst="rect">
             <a:avLst/>
@@ -10975,7 +12041,7 @@
         <p:spPr>
           <a:xfrm>
             <a:off x="1132100" y="1170200"/>
-            <a:ext cx="7080624" cy="3624024"/>
+            <a:ext cx="7080625" cy="3624025"/>
           </a:xfrm>
           <a:prstGeom prst="rect">
             <a:avLst/>
@@ -11091,8 +12157,8 @@
         </p:blipFill>
         <p:spPr>
           <a:xfrm>
-            <a:off x="4613374" y="1654000"/>
-            <a:ext cx="4218924" cy="2742300"/>
+            <a:off x="4613375" y="1654000"/>
+            <a:ext cx="4218925" cy="2742300"/>
           </a:xfrm>
           <a:prstGeom prst="rect">
             <a:avLst/>
